--- a/Grad School/monkey_frisem.pptx
+++ b/Grad School/monkey_frisem.pptx
@@ -21,11 +21,17 @@
     <p:sldId id="280" r:id="rId15"/>
     <p:sldId id="281" r:id="rId16"/>
     <p:sldId id="266" r:id="rId17"/>
-    <p:sldId id="282" r:id="rId18"/>
-    <p:sldId id="283" r:id="rId19"/>
-    <p:sldId id="286" r:id="rId20"/>
-    <p:sldId id="284" r:id="rId21"/>
-    <p:sldId id="285" r:id="rId22"/>
+    <p:sldId id="291" r:id="rId18"/>
+    <p:sldId id="282" r:id="rId19"/>
+    <p:sldId id="292" r:id="rId20"/>
+    <p:sldId id="286" r:id="rId21"/>
+    <p:sldId id="293" r:id="rId22"/>
+    <p:sldId id="287" r:id="rId23"/>
+    <p:sldId id="283" r:id="rId24"/>
+    <p:sldId id="285" r:id="rId25"/>
+    <p:sldId id="289" r:id="rId26"/>
+    <p:sldId id="288" r:id="rId27"/>
+    <p:sldId id="290" r:id="rId28"/>
   </p:sldIdLst>
   <p:sldSz cx="9144000" cy="6858000" type="screen4x3"/>
   <p:notesSz cx="6858000" cy="9144000"/>
@@ -4694,6 +4700,103 @@
           <a:chExt cx="0" cy="0"/>
         </a:xfrm>
       </p:grpSpPr>
+      <p:sp>
+        <p:nvSpPr>
+          <p:cNvPr id="2" name="TextBox 1"/>
+          <p:cNvSpPr txBox="1"/>
+          <p:nvPr/>
+        </p:nvSpPr>
+        <p:spPr>
+          <a:xfrm>
+            <a:off x="1219207" y="2590800"/>
+            <a:ext cx="6830716" cy="3046988"/>
+          </a:xfrm>
+          <a:prstGeom prst="rect">
+            <a:avLst/>
+          </a:prstGeom>
+          <a:noFill/>
+        </p:spPr>
+        <p:txBody>
+          <a:bodyPr wrap="none" rtlCol="0">
+            <a:spAutoFit/>
+          </a:bodyPr>
+          <a:lstStyle/>
+          <a:p>
+            <a:pPr algn="ctr"/>
+            <a:r>
+              <a:rPr lang="en-US" sz="4800" dirty="0" smtClean="0">
+                <a:latin typeface="Helvetica" pitchFamily="34" charset="0"/>
+                <a:cs typeface="Helvetica" pitchFamily="34" charset="0"/>
+              </a:rPr>
+              <a:t>So, what is it like to be a</a:t>
+            </a:r>
+          </a:p>
+          <a:p>
+            <a:pPr algn="ctr"/>
+            <a:r>
+              <a:rPr lang="en-US" sz="4800" strike="sngStrike" dirty="0" smtClean="0">
+                <a:latin typeface="Helvetica" pitchFamily="34" charset="0"/>
+                <a:cs typeface="Helvetica" pitchFamily="34" charset="0"/>
+              </a:rPr>
+              <a:t>monkey?</a:t>
+            </a:r>
+          </a:p>
+          <a:p>
+            <a:pPr algn="ctr"/>
+            <a:r>
+              <a:rPr lang="en-US" sz="4800" dirty="0" smtClean="0">
+                <a:latin typeface="Helvetica" pitchFamily="34" charset="0"/>
+                <a:cs typeface="Helvetica" pitchFamily="34" charset="0"/>
+              </a:rPr>
+              <a:t>human doing the task </a:t>
+            </a:r>
+          </a:p>
+          <a:p>
+            <a:pPr algn="ctr"/>
+            <a:r>
+              <a:rPr lang="en-US" sz="4800" dirty="0" smtClean="0">
+                <a:latin typeface="Helvetica" pitchFamily="34" charset="0"/>
+                <a:cs typeface="Helvetica" pitchFamily="34" charset="0"/>
+              </a:rPr>
+              <a:t>the monkeys are doing</a:t>
+            </a:r>
+            <a:endParaRPr lang="en-US" sz="4800" dirty="0">
+              <a:latin typeface="Helvetica" pitchFamily="34" charset="0"/>
+              <a:cs typeface="Helvetica" pitchFamily="34" charset="0"/>
+            </a:endParaRPr>
+          </a:p>
+        </p:txBody>
+      </p:sp>
+    </p:spTree>
+    <p:extLst>
+      <p:ext uri="{BB962C8B-B14F-4D97-AF65-F5344CB8AC3E}">
+        <p14:creationId xmlns:p14="http://schemas.microsoft.com/office/powerpoint/2010/main" val="2756532575"/>
+      </p:ext>
+    </p:extLst>
+  </p:cSld>
+  <p:clrMapOvr>
+    <a:masterClrMapping/>
+  </p:clrMapOvr>
+</p:sld>
+</file>
+
+<file path=ppt/slides/slide18.xml><?xml version="1.0" encoding="utf-8"?>
+<p:sld xmlns:a="http://schemas.openxmlformats.org/drawingml/2006/main" xmlns:r="http://schemas.openxmlformats.org/officeDocument/2006/relationships" xmlns:p="http://schemas.openxmlformats.org/presentationml/2006/main">
+  <p:cSld>
+    <p:spTree>
+      <p:nvGrpSpPr>
+        <p:cNvPr id="1" name=""/>
+        <p:cNvGrpSpPr/>
+        <p:nvPr/>
+      </p:nvGrpSpPr>
+      <p:grpSpPr>
+        <a:xfrm>
+          <a:off x="0" y="0"/>
+          <a:ext cx="0" cy="0"/>
+          <a:chOff x="0" y="0"/>
+          <a:chExt cx="0" cy="0"/>
+        </a:xfrm>
+      </p:grpSpPr>
       <p:pic>
         <p:nvPicPr>
           <p:cNvPr id="7170" name="Picture 2"/>
@@ -4719,6 +4822,382 @@
           <a:xfrm>
             <a:off x="685800" y="457200"/>
             <a:ext cx="7489751" cy="6019800"/>
+          </a:xfrm>
+          <a:prstGeom prst="rect">
+            <a:avLst/>
+          </a:prstGeom>
+          <a:noFill/>
+          <a:ln>
+            <a:noFill/>
+          </a:ln>
+          <a:effectLst/>
+          <a:extLst>
+            <a:ext uri="{909E8E84-426E-40DD-AFC4-6F175D3DCCD1}">
+              <a14:hiddenFill xmlns:a14="http://schemas.microsoft.com/office/drawing/2010/main">
+                <a:solidFill>
+                  <a:schemeClr val="accent1"/>
+                </a:solidFill>
+              </a14:hiddenFill>
+            </a:ext>
+            <a:ext uri="{91240B29-F687-4F45-9708-019B960494DF}">
+              <a14:hiddenLine xmlns:a14="http://schemas.microsoft.com/office/drawing/2010/main" w="9525">
+                <a:solidFill>
+                  <a:schemeClr val="tx1"/>
+                </a:solidFill>
+                <a:miter lim="800000"/>
+                <a:headEnd/>
+                <a:tailEnd/>
+              </a14:hiddenLine>
+            </a:ext>
+            <a:ext uri="{AF507438-7753-43E0-B8FC-AC1667EBCBE1}">
+              <a14:hiddenEffects xmlns:a14="http://schemas.microsoft.com/office/drawing/2010/main">
+                <a:effectLst>
+                  <a:outerShdw dist="35921" dir="2700000" algn="ctr" rotWithShape="0">
+                    <a:schemeClr val="bg2"/>
+                  </a:outerShdw>
+                </a:effectLst>
+              </a14:hiddenEffects>
+            </a:ext>
+          </a:extLst>
+        </p:spPr>
+      </p:pic>
+      <p:sp>
+        <p:nvSpPr>
+          <p:cNvPr id="4" name="TextBox 3"/>
+          <p:cNvSpPr txBox="1"/>
+          <p:nvPr/>
+        </p:nvSpPr>
+        <p:spPr>
+          <a:xfrm>
+            <a:off x="6705600" y="6292334"/>
+            <a:ext cx="2206117" cy="369332"/>
+          </a:xfrm>
+          <a:prstGeom prst="rect">
+            <a:avLst/>
+          </a:prstGeom>
+          <a:noFill/>
+        </p:spPr>
+        <p:txBody>
+          <a:bodyPr wrap="none" rtlCol="0">
+            <a:spAutoFit/>
+          </a:bodyPr>
+          <a:lstStyle/>
+          <a:p>
+            <a:r>
+              <a:rPr lang="en-US" dirty="0" smtClean="0"/>
+              <a:t>Birman Gardner 2015</a:t>
+            </a:r>
+            <a:endParaRPr lang="en-US" dirty="0"/>
+          </a:p>
+        </p:txBody>
+      </p:sp>
+    </p:spTree>
+    <p:extLst>
+      <p:ext uri="{BB962C8B-B14F-4D97-AF65-F5344CB8AC3E}">
+        <p14:creationId xmlns:p14="http://schemas.microsoft.com/office/powerpoint/2010/main" val="3263289242"/>
+      </p:ext>
+    </p:extLst>
+  </p:cSld>
+  <p:clrMapOvr>
+    <a:masterClrMapping/>
+  </p:clrMapOvr>
+</p:sld>
+</file>
+
+<file path=ppt/slides/slide19.xml><?xml version="1.0" encoding="utf-8"?>
+<p:sld xmlns:a="http://schemas.openxmlformats.org/drawingml/2006/main" xmlns:r="http://schemas.openxmlformats.org/officeDocument/2006/relationships" xmlns:p="http://schemas.openxmlformats.org/presentationml/2006/main">
+  <p:cSld>
+    <p:spTree>
+      <p:nvGrpSpPr>
+        <p:cNvPr id="1" name=""/>
+        <p:cNvGrpSpPr/>
+        <p:nvPr/>
+      </p:nvGrpSpPr>
+      <p:grpSpPr>
+        <a:xfrm>
+          <a:off x="0" y="0"/>
+          <a:ext cx="0" cy="0"/>
+          <a:chOff x="0" y="0"/>
+          <a:chExt cx="0" cy="0"/>
+        </a:xfrm>
+      </p:grpSpPr>
+      <p:cxnSp>
+        <p:nvCxnSpPr>
+          <p:cNvPr id="4" name="Straight Arrow Connector 3"/>
+          <p:cNvCxnSpPr/>
+          <p:nvPr/>
+        </p:nvCxnSpPr>
+        <p:spPr>
+          <a:xfrm flipH="1" flipV="1">
+            <a:off x="5196042" y="923953"/>
+            <a:ext cx="381000" cy="1447800"/>
+          </a:xfrm>
+          <a:prstGeom prst="straightConnector1">
+            <a:avLst/>
+          </a:prstGeom>
+          <a:ln>
+            <a:tailEnd type="arrow"/>
+          </a:ln>
+        </p:spPr>
+        <p:style>
+          <a:lnRef idx="1">
+            <a:schemeClr val="accent1"/>
+          </a:lnRef>
+          <a:fillRef idx="0">
+            <a:schemeClr val="accent1"/>
+          </a:fillRef>
+          <a:effectRef idx="0">
+            <a:schemeClr val="accent1"/>
+          </a:effectRef>
+          <a:fontRef idx="minor">
+            <a:schemeClr val="tx1"/>
+          </a:fontRef>
+        </p:style>
+      </p:cxnSp>
+      <p:cxnSp>
+        <p:nvCxnSpPr>
+          <p:cNvPr id="5" name="Straight Arrow Connector 4"/>
+          <p:cNvCxnSpPr/>
+          <p:nvPr/>
+        </p:nvCxnSpPr>
+        <p:spPr>
+          <a:xfrm flipH="1" flipV="1">
+            <a:off x="4738842" y="1304953"/>
+            <a:ext cx="838200" cy="1066800"/>
+          </a:xfrm>
+          <a:prstGeom prst="straightConnector1">
+            <a:avLst/>
+          </a:prstGeom>
+          <a:ln>
+            <a:tailEnd type="arrow"/>
+          </a:ln>
+        </p:spPr>
+        <p:style>
+          <a:lnRef idx="3">
+            <a:schemeClr val="dk1"/>
+          </a:lnRef>
+          <a:fillRef idx="0">
+            <a:schemeClr val="dk1"/>
+          </a:fillRef>
+          <a:effectRef idx="2">
+            <a:schemeClr val="dk1"/>
+          </a:effectRef>
+          <a:fontRef idx="minor">
+            <a:schemeClr val="tx1"/>
+          </a:fontRef>
+        </p:style>
+      </p:cxnSp>
+      <p:cxnSp>
+        <p:nvCxnSpPr>
+          <p:cNvPr id="6" name="Straight Arrow Connector 5"/>
+          <p:cNvCxnSpPr/>
+          <p:nvPr/>
+        </p:nvCxnSpPr>
+        <p:spPr>
+          <a:xfrm flipH="1" flipV="1">
+            <a:off x="5157942" y="2066953"/>
+            <a:ext cx="419100" cy="304800"/>
+          </a:xfrm>
+          <a:prstGeom prst="straightConnector1">
+            <a:avLst/>
+          </a:prstGeom>
+          <a:ln>
+            <a:tailEnd type="arrow"/>
+          </a:ln>
+        </p:spPr>
+        <p:style>
+          <a:lnRef idx="1">
+            <a:schemeClr val="accent1"/>
+          </a:lnRef>
+          <a:fillRef idx="0">
+            <a:schemeClr val="accent1"/>
+          </a:fillRef>
+          <a:effectRef idx="0">
+            <a:schemeClr val="accent1"/>
+          </a:effectRef>
+          <a:fontRef idx="minor">
+            <a:schemeClr val="tx1"/>
+          </a:fontRef>
+        </p:style>
+      </p:cxnSp>
+      <p:cxnSp>
+        <p:nvCxnSpPr>
+          <p:cNvPr id="7" name="Straight Arrow Connector 6"/>
+          <p:cNvCxnSpPr/>
+          <p:nvPr/>
+        </p:nvCxnSpPr>
+        <p:spPr>
+          <a:xfrm flipH="1">
+            <a:off x="5043642" y="2371753"/>
+            <a:ext cx="533400" cy="0"/>
+          </a:xfrm>
+          <a:prstGeom prst="straightConnector1">
+            <a:avLst/>
+          </a:prstGeom>
+          <a:ln>
+            <a:tailEnd type="arrow"/>
+          </a:ln>
+        </p:spPr>
+        <p:style>
+          <a:lnRef idx="1">
+            <a:schemeClr val="accent1"/>
+          </a:lnRef>
+          <a:fillRef idx="0">
+            <a:schemeClr val="accent1"/>
+          </a:fillRef>
+          <a:effectRef idx="0">
+            <a:schemeClr val="accent1"/>
+          </a:effectRef>
+          <a:fontRef idx="minor">
+            <a:schemeClr val="tx1"/>
+          </a:fontRef>
+        </p:style>
+      </p:cxnSp>
+      <p:sp>
+        <p:nvSpPr>
+          <p:cNvPr id="8" name="TextBox 7"/>
+          <p:cNvSpPr txBox="1"/>
+          <p:nvPr/>
+        </p:nvSpPr>
+        <p:spPr>
+          <a:xfrm>
+            <a:off x="5043642" y="542953"/>
+            <a:ext cx="700833" cy="369332"/>
+          </a:xfrm>
+          <a:prstGeom prst="rect">
+            <a:avLst/>
+          </a:prstGeom>
+          <a:noFill/>
+        </p:spPr>
+        <p:txBody>
+          <a:bodyPr wrap="none" rtlCol="0">
+            <a:spAutoFit/>
+          </a:bodyPr>
+          <a:lstStyle/>
+          <a:p>
+            <a:r>
+              <a:rPr lang="en-US" dirty="0" smtClean="0"/>
+              <a:t>Same</a:t>
+            </a:r>
+            <a:endParaRPr lang="en-US" dirty="0"/>
+          </a:p>
+        </p:txBody>
+      </p:sp>
+      <p:sp>
+        <p:nvSpPr>
+          <p:cNvPr id="9" name="TextBox 8"/>
+          <p:cNvSpPr txBox="1"/>
+          <p:nvPr/>
+        </p:nvSpPr>
+        <p:spPr>
+          <a:xfrm>
+            <a:off x="4434042" y="1050077"/>
+            <a:ext cx="506870" cy="369332"/>
+          </a:xfrm>
+          <a:prstGeom prst="rect">
+            <a:avLst/>
+          </a:prstGeom>
+          <a:noFill/>
+        </p:spPr>
+        <p:txBody>
+          <a:bodyPr wrap="none" rtlCol="0">
+            <a:spAutoFit/>
+          </a:bodyPr>
+          <a:lstStyle/>
+          <a:p>
+            <a:r>
+              <a:rPr lang="en-US" dirty="0" smtClean="0"/>
+              <a:t>???</a:t>
+            </a:r>
+            <a:endParaRPr lang="en-US" dirty="0"/>
+          </a:p>
+        </p:txBody>
+      </p:sp>
+      <p:sp>
+        <p:nvSpPr>
+          <p:cNvPr id="10" name="TextBox 9"/>
+          <p:cNvSpPr txBox="1"/>
+          <p:nvPr/>
+        </p:nvSpPr>
+        <p:spPr>
+          <a:xfrm>
+            <a:off x="4234615" y="1850021"/>
+            <a:ext cx="950260" cy="369332"/>
+          </a:xfrm>
+          <a:prstGeom prst="rect">
+            <a:avLst/>
+          </a:prstGeom>
+          <a:noFill/>
+        </p:spPr>
+        <p:txBody>
+          <a:bodyPr wrap="none" rtlCol="0">
+            <a:spAutoFit/>
+          </a:bodyPr>
+          <a:lstStyle/>
+          <a:p>
+            <a:r>
+              <a:rPr lang="en-US" dirty="0" smtClean="0"/>
+              <a:t>60% diff</a:t>
+            </a:r>
+            <a:endParaRPr lang="en-US" dirty="0"/>
+          </a:p>
+        </p:txBody>
+      </p:sp>
+      <p:sp>
+        <p:nvSpPr>
+          <p:cNvPr id="11" name="TextBox 10"/>
+          <p:cNvSpPr txBox="1"/>
+          <p:nvPr/>
+        </p:nvSpPr>
+        <p:spPr>
+          <a:xfrm>
+            <a:off x="3920263" y="2249726"/>
+            <a:ext cx="1093248" cy="369332"/>
+          </a:xfrm>
+          <a:prstGeom prst="rect">
+            <a:avLst/>
+          </a:prstGeom>
+          <a:noFill/>
+        </p:spPr>
+        <p:txBody>
+          <a:bodyPr wrap="none" rtlCol="0">
+            <a:spAutoFit/>
+          </a:bodyPr>
+          <a:lstStyle/>
+          <a:p>
+            <a:r>
+              <a:rPr lang="en-US" dirty="0" smtClean="0"/>
+              <a:t>Different!</a:t>
+            </a:r>
+            <a:endParaRPr lang="en-US" dirty="0"/>
+          </a:p>
+        </p:txBody>
+      </p:sp>
+      <p:pic>
+        <p:nvPicPr>
+          <p:cNvPr id="12" name="Picture 3"/>
+          <p:cNvPicPr>
+            <a:picLocks noChangeAspect="1" noChangeArrowheads="1"/>
+          </p:cNvPicPr>
+          <p:nvPr/>
+        </p:nvPicPr>
+        <p:blipFill>
+          <a:blip r:embed="rId2">
+            <a:extLst>
+              <a:ext uri="{28A0092B-C50C-407E-A947-70E740481C1C}">
+                <a14:useLocalDpi xmlns:a14="http://schemas.microsoft.com/office/drawing/2010/main" val="0"/>
+              </a:ext>
+            </a:extLst>
+          </a:blip>
+          <a:srcRect/>
+          <a:stretch>
+            <a:fillRect/>
+          </a:stretch>
+        </p:blipFill>
+        <p:spPr bwMode="auto">
+          <a:xfrm>
+            <a:off x="2203756" y="2734048"/>
+            <a:ext cx="4267200" cy="3676650"/>
           </a:xfrm>
           <a:prstGeom prst="rect">
             <a:avLst/>
@@ -4761,291 +5240,7 @@
     </p:spTree>
     <p:extLst>
       <p:ext uri="{BB962C8B-B14F-4D97-AF65-F5344CB8AC3E}">
-        <p14:creationId xmlns:p14="http://schemas.microsoft.com/office/powerpoint/2010/main" val="3263289242"/>
-      </p:ext>
-    </p:extLst>
-  </p:cSld>
-  <p:clrMapOvr>
-    <a:masterClrMapping/>
-  </p:clrMapOvr>
-</p:sld>
-</file>
-
-<file path=ppt/slides/slide18.xml><?xml version="1.0" encoding="utf-8"?>
-<p:sld xmlns:a="http://schemas.openxmlformats.org/drawingml/2006/main" xmlns:r="http://schemas.openxmlformats.org/officeDocument/2006/relationships" xmlns:p="http://schemas.openxmlformats.org/presentationml/2006/main">
-  <p:cSld>
-    <p:spTree>
-      <p:nvGrpSpPr>
-        <p:cNvPr id="1" name=""/>
-        <p:cNvGrpSpPr/>
-        <p:nvPr/>
-      </p:nvGrpSpPr>
-      <p:grpSpPr>
-        <a:xfrm>
-          <a:off x="0" y="0"/>
-          <a:ext cx="0" cy="0"/>
-          <a:chOff x="0" y="0"/>
-          <a:chExt cx="0" cy="0"/>
-        </a:xfrm>
-      </p:grpSpPr>
-      <p:pic>
-        <p:nvPicPr>
-          <p:cNvPr id="8194" name="Picture 2"/>
-          <p:cNvPicPr>
-            <a:picLocks noChangeAspect="1" noChangeArrowheads="1"/>
-          </p:cNvPicPr>
-          <p:nvPr/>
-        </p:nvPicPr>
-        <p:blipFill>
-          <a:blip r:embed="rId2">
-            <a:extLst>
-              <a:ext uri="{28A0092B-C50C-407E-A947-70E740481C1C}">
-                <a14:useLocalDpi xmlns:a14="http://schemas.microsoft.com/office/drawing/2010/main" val="0"/>
-              </a:ext>
-            </a:extLst>
-          </a:blip>
-          <a:srcRect/>
-          <a:stretch>
-            <a:fillRect/>
-          </a:stretch>
-        </p:blipFill>
-        <p:spPr bwMode="auto">
-          <a:xfrm>
-            <a:off x="152400" y="660571"/>
-            <a:ext cx="5370003" cy="4902029"/>
-          </a:xfrm>
-          <a:prstGeom prst="rect">
-            <a:avLst/>
-          </a:prstGeom>
-          <a:noFill/>
-          <a:ln>
-            <a:noFill/>
-          </a:ln>
-          <a:effectLst/>
-          <a:extLst>
-            <a:ext uri="{909E8E84-426E-40DD-AFC4-6F175D3DCCD1}">
-              <a14:hiddenFill xmlns:a14="http://schemas.microsoft.com/office/drawing/2010/main">
-                <a:solidFill>
-                  <a:schemeClr val="accent1"/>
-                </a:solidFill>
-              </a14:hiddenFill>
-            </a:ext>
-            <a:ext uri="{91240B29-F687-4F45-9708-019B960494DF}">
-              <a14:hiddenLine xmlns:a14="http://schemas.microsoft.com/office/drawing/2010/main" w="9525">
-                <a:solidFill>
-                  <a:schemeClr val="tx1"/>
-                </a:solidFill>
-                <a:miter lim="800000"/>
-                <a:headEnd/>
-                <a:tailEnd/>
-              </a14:hiddenLine>
-            </a:ext>
-            <a:ext uri="{AF507438-7753-43E0-B8FC-AC1667EBCBE1}">
-              <a14:hiddenEffects xmlns:a14="http://schemas.microsoft.com/office/drawing/2010/main">
-                <a:effectLst>
-                  <a:outerShdw dist="35921" dir="2700000" algn="ctr" rotWithShape="0">
-                    <a:schemeClr val="bg2"/>
-                  </a:outerShdw>
-                </a:effectLst>
-              </a14:hiddenEffects>
-            </a:ext>
-          </a:extLst>
-        </p:spPr>
-      </p:pic>
-    </p:spTree>
-    <p:extLst>
-      <p:ext uri="{BB962C8B-B14F-4D97-AF65-F5344CB8AC3E}">
-        <p14:creationId xmlns:p14="http://schemas.microsoft.com/office/powerpoint/2010/main" val="1636158415"/>
-      </p:ext>
-    </p:extLst>
-  </p:cSld>
-  <p:clrMapOvr>
-    <a:masterClrMapping/>
-  </p:clrMapOvr>
-</p:sld>
-</file>
-
-<file path=ppt/slides/slide19.xml><?xml version="1.0" encoding="utf-8"?>
-<p:sld xmlns:a="http://schemas.openxmlformats.org/drawingml/2006/main" xmlns:r="http://schemas.openxmlformats.org/officeDocument/2006/relationships" xmlns:p="http://schemas.openxmlformats.org/presentationml/2006/main">
-  <p:cSld>
-    <p:spTree>
-      <p:nvGrpSpPr>
-        <p:cNvPr id="1" name=""/>
-        <p:cNvGrpSpPr/>
-        <p:nvPr/>
-      </p:nvGrpSpPr>
-      <p:grpSpPr>
-        <a:xfrm>
-          <a:off x="0" y="0"/>
-          <a:ext cx="0" cy="0"/>
-          <a:chOff x="0" y="0"/>
-          <a:chExt cx="0" cy="0"/>
-        </a:xfrm>
-      </p:grpSpPr>
-      <p:pic>
-        <p:nvPicPr>
-          <p:cNvPr id="8194" name="Picture 2"/>
-          <p:cNvPicPr>
-            <a:picLocks noChangeAspect="1" noChangeArrowheads="1"/>
-          </p:cNvPicPr>
-          <p:nvPr/>
-        </p:nvPicPr>
-        <p:blipFill>
-          <a:blip r:embed="rId2">
-            <a:extLst>
-              <a:ext uri="{28A0092B-C50C-407E-A947-70E740481C1C}">
-                <a14:useLocalDpi xmlns:a14="http://schemas.microsoft.com/office/drawing/2010/main" val="0"/>
-              </a:ext>
-            </a:extLst>
-          </a:blip>
-          <a:srcRect/>
-          <a:stretch>
-            <a:fillRect/>
-          </a:stretch>
-        </p:blipFill>
-        <p:spPr bwMode="auto">
-          <a:xfrm>
-            <a:off x="152400" y="660571"/>
-            <a:ext cx="5370003" cy="4902029"/>
-          </a:xfrm>
-          <a:prstGeom prst="rect">
-            <a:avLst/>
-          </a:prstGeom>
-          <a:noFill/>
-          <a:ln>
-            <a:noFill/>
-          </a:ln>
-          <a:effectLst/>
-          <a:extLst>
-            <a:ext uri="{909E8E84-426E-40DD-AFC4-6F175D3DCCD1}">
-              <a14:hiddenFill xmlns:a14="http://schemas.microsoft.com/office/drawing/2010/main">
-                <a:solidFill>
-                  <a:schemeClr val="accent1"/>
-                </a:solidFill>
-              </a14:hiddenFill>
-            </a:ext>
-            <a:ext uri="{91240B29-F687-4F45-9708-019B960494DF}">
-              <a14:hiddenLine xmlns:a14="http://schemas.microsoft.com/office/drawing/2010/main" w="9525">
-                <a:solidFill>
-                  <a:schemeClr val="tx1"/>
-                </a:solidFill>
-                <a:miter lim="800000"/>
-                <a:headEnd/>
-                <a:tailEnd/>
-              </a14:hiddenLine>
-            </a:ext>
-            <a:ext uri="{AF507438-7753-43E0-B8FC-AC1667EBCBE1}">
-              <a14:hiddenEffects xmlns:a14="http://schemas.microsoft.com/office/drawing/2010/main">
-                <a:effectLst>
-                  <a:outerShdw dist="35921" dir="2700000" algn="ctr" rotWithShape="0">
-                    <a:schemeClr val="bg2"/>
-                  </a:outerShdw>
-                </a:effectLst>
-              </a14:hiddenEffects>
-            </a:ext>
-          </a:extLst>
-        </p:spPr>
-      </p:pic>
-      <p:sp>
-        <p:nvSpPr>
-          <p:cNvPr id="16" name="Rectangle 15"/>
-          <p:cNvSpPr/>
-          <p:nvPr/>
-        </p:nvSpPr>
-        <p:spPr>
-          <a:xfrm>
-            <a:off x="2590800" y="1371600"/>
-            <a:ext cx="2057400" cy="381000"/>
-          </a:xfrm>
-          <a:prstGeom prst="rect">
-            <a:avLst/>
-          </a:prstGeom>
-          <a:solidFill>
-            <a:schemeClr val="bg1"/>
-          </a:solidFill>
-          <a:ln>
-            <a:solidFill>
-              <a:schemeClr val="bg1"/>
-            </a:solidFill>
-          </a:ln>
-        </p:spPr>
-        <p:style>
-          <a:lnRef idx="2">
-            <a:schemeClr val="accent1">
-              <a:shade val="50000"/>
-            </a:schemeClr>
-          </a:lnRef>
-          <a:fillRef idx="1">
-            <a:schemeClr val="accent1"/>
-          </a:fillRef>
-          <a:effectRef idx="0">
-            <a:schemeClr val="accent1"/>
-          </a:effectRef>
-          <a:fontRef idx="minor">
-            <a:schemeClr val="lt1"/>
-          </a:fontRef>
-        </p:style>
-        <p:txBody>
-          <a:bodyPr rtlCol="0" anchor="ctr"/>
-          <a:lstStyle/>
-          <a:p>
-            <a:pPr algn="ctr"/>
-            <a:endParaRPr lang="en-US"/>
-          </a:p>
-        </p:txBody>
-      </p:sp>
-      <p:sp>
-        <p:nvSpPr>
-          <p:cNvPr id="19" name="Rectangle 18"/>
-          <p:cNvSpPr/>
-          <p:nvPr/>
-        </p:nvSpPr>
-        <p:spPr>
-          <a:xfrm>
-            <a:off x="1219200" y="4114800"/>
-            <a:ext cx="4038600" cy="381000"/>
-          </a:xfrm>
-          <a:prstGeom prst="rect">
-            <a:avLst/>
-          </a:prstGeom>
-          <a:solidFill>
-            <a:schemeClr val="bg1"/>
-          </a:solidFill>
-          <a:ln>
-            <a:solidFill>
-              <a:schemeClr val="bg1"/>
-            </a:solidFill>
-          </a:ln>
-        </p:spPr>
-        <p:style>
-          <a:lnRef idx="2">
-            <a:schemeClr val="accent1">
-              <a:shade val="50000"/>
-            </a:schemeClr>
-          </a:lnRef>
-          <a:fillRef idx="1">
-            <a:schemeClr val="accent1"/>
-          </a:fillRef>
-          <a:effectRef idx="0">
-            <a:schemeClr val="accent1"/>
-          </a:effectRef>
-          <a:fontRef idx="minor">
-            <a:schemeClr val="lt1"/>
-          </a:fontRef>
-        </p:style>
-        <p:txBody>
-          <a:bodyPr rtlCol="0" anchor="ctr"/>
-          <a:lstStyle/>
-          <a:p>
-            <a:pPr algn="ctr"/>
-            <a:endParaRPr lang="en-US"/>
-          </a:p>
-        </p:txBody>
-      </p:sp>
-    </p:spTree>
-    <p:extLst>
-      <p:ext uri="{BB962C8B-B14F-4D97-AF65-F5344CB8AC3E}">
-        <p14:creationId xmlns:p14="http://schemas.microsoft.com/office/powerpoint/2010/main" val="203382471"/>
+        <p14:creationId xmlns:p14="http://schemas.microsoft.com/office/powerpoint/2010/main" val="685620409"/>
       </p:ext>
     </p:extLst>
   </p:cSld>
@@ -5203,262 +5398,154 @@
           </a:extLst>
         </p:spPr>
       </p:pic>
-      <p:cxnSp>
-        <p:nvCxnSpPr>
-          <p:cNvPr id="5" name="Straight Arrow Connector 4"/>
-          <p:cNvCxnSpPr/>
+      <p:sp>
+        <p:nvSpPr>
+          <p:cNvPr id="16" name="Rectangle 15"/>
+          <p:cNvSpPr/>
           <p:nvPr/>
-        </p:nvCxnSpPr>
+        </p:nvSpPr>
         <p:spPr>
-          <a:xfrm flipH="1" flipV="1">
-            <a:off x="7945286" y="856905"/>
-            <a:ext cx="381000" cy="1447800"/>
-          </a:xfrm>
-          <a:prstGeom prst="straightConnector1">
+          <a:xfrm>
+            <a:off x="2590800" y="1371600"/>
+            <a:ext cx="2057400" cy="381000"/>
+          </a:xfrm>
+          <a:prstGeom prst="rect">
             <a:avLst/>
           </a:prstGeom>
+          <a:solidFill>
+            <a:schemeClr val="bg1"/>
+          </a:solidFill>
           <a:ln>
-            <a:tailEnd type="arrow"/>
+            <a:solidFill>
+              <a:schemeClr val="bg1"/>
+            </a:solidFill>
           </a:ln>
         </p:spPr>
         <p:style>
-          <a:lnRef idx="1">
-            <a:schemeClr val="accent1"/>
+          <a:lnRef idx="2">
+            <a:schemeClr val="accent1">
+              <a:shade val="50000"/>
+            </a:schemeClr>
           </a:lnRef>
-          <a:fillRef idx="0">
+          <a:fillRef idx="1">
             <a:schemeClr val="accent1"/>
           </a:fillRef>
           <a:effectRef idx="0">
             <a:schemeClr val="accent1"/>
           </a:effectRef>
           <a:fontRef idx="minor">
-            <a:schemeClr val="tx1"/>
+            <a:schemeClr val="lt1"/>
           </a:fontRef>
         </p:style>
-      </p:cxnSp>
-      <p:cxnSp>
-        <p:nvCxnSpPr>
-          <p:cNvPr id="7" name="Straight Arrow Connector 6"/>
-          <p:cNvCxnSpPr/>
+        <p:txBody>
+          <a:bodyPr rtlCol="0" anchor="ctr"/>
+          <a:lstStyle/>
+          <a:p>
+            <a:pPr algn="ctr"/>
+            <a:endParaRPr lang="en-US"/>
+          </a:p>
+        </p:txBody>
+      </p:sp>
+      <p:sp>
+        <p:nvSpPr>
+          <p:cNvPr id="19" name="Rectangle 18"/>
+          <p:cNvSpPr/>
           <p:nvPr/>
-        </p:nvCxnSpPr>
+        </p:nvSpPr>
         <p:spPr>
-          <a:xfrm flipH="1" flipV="1">
-            <a:off x="7488086" y="1237905"/>
-            <a:ext cx="838200" cy="1066800"/>
-          </a:xfrm>
-          <a:prstGeom prst="straightConnector1">
+          <a:xfrm>
+            <a:off x="1219200" y="4114800"/>
+            <a:ext cx="4038600" cy="381000"/>
+          </a:xfrm>
+          <a:prstGeom prst="rect">
             <a:avLst/>
           </a:prstGeom>
+          <a:solidFill>
+            <a:schemeClr val="bg1"/>
+          </a:solidFill>
           <a:ln>
-            <a:tailEnd type="arrow"/>
+            <a:solidFill>
+              <a:schemeClr val="bg1"/>
+            </a:solidFill>
           </a:ln>
         </p:spPr>
         <p:style>
-          <a:lnRef idx="3">
-            <a:schemeClr val="dk1"/>
+          <a:lnRef idx="2">
+            <a:schemeClr val="accent1">
+              <a:shade val="50000"/>
+            </a:schemeClr>
           </a:lnRef>
-          <a:fillRef idx="0">
-            <a:schemeClr val="dk1"/>
-          </a:fillRef>
-          <a:effectRef idx="2">
-            <a:schemeClr val="dk1"/>
-          </a:effectRef>
-          <a:fontRef idx="minor">
-            <a:schemeClr val="tx1"/>
-          </a:fontRef>
-        </p:style>
-      </p:cxnSp>
-      <p:cxnSp>
-        <p:nvCxnSpPr>
-          <p:cNvPr id="9" name="Straight Arrow Connector 8"/>
-          <p:cNvCxnSpPr/>
-          <p:nvPr/>
-        </p:nvCxnSpPr>
-        <p:spPr>
-          <a:xfrm flipH="1" flipV="1">
-            <a:off x="7907186" y="1999905"/>
-            <a:ext cx="419100" cy="304800"/>
-          </a:xfrm>
-          <a:prstGeom prst="straightConnector1">
-            <a:avLst/>
-          </a:prstGeom>
-          <a:ln>
-            <a:tailEnd type="arrow"/>
-          </a:ln>
-        </p:spPr>
-        <p:style>
-          <a:lnRef idx="1">
-            <a:schemeClr val="accent1"/>
-          </a:lnRef>
-          <a:fillRef idx="0">
+          <a:fillRef idx="1">
             <a:schemeClr val="accent1"/>
           </a:fillRef>
           <a:effectRef idx="0">
             <a:schemeClr val="accent1"/>
           </a:effectRef>
           <a:fontRef idx="minor">
-            <a:schemeClr val="tx1"/>
+            <a:schemeClr val="lt1"/>
           </a:fontRef>
         </p:style>
-      </p:cxnSp>
-      <p:cxnSp>
-        <p:nvCxnSpPr>
-          <p:cNvPr id="11" name="Straight Arrow Connector 10"/>
-          <p:cNvCxnSpPr/>
+        <p:txBody>
+          <a:bodyPr rtlCol="0" anchor="ctr"/>
+          <a:lstStyle/>
+          <a:p>
+            <a:pPr algn="ctr"/>
+            <a:endParaRPr lang="en-US"/>
+          </a:p>
+        </p:txBody>
+      </p:sp>
+      <p:sp>
+        <p:nvSpPr>
+          <p:cNvPr id="3" name="Rectangle 2"/>
+          <p:cNvSpPr/>
           <p:nvPr/>
-        </p:nvCxnSpPr>
+        </p:nvSpPr>
         <p:spPr>
-          <a:xfrm flipH="1">
-            <a:off x="7792886" y="2304705"/>
-            <a:ext cx="533400" cy="0"/>
-          </a:xfrm>
-          <a:prstGeom prst="straightConnector1">
+          <a:xfrm>
+            <a:off x="1219200" y="660571"/>
+            <a:ext cx="3886200" cy="3644729"/>
+          </a:xfrm>
+          <a:prstGeom prst="rect">
             <a:avLst/>
           </a:prstGeom>
+          <a:solidFill>
+            <a:schemeClr val="bg1"/>
+          </a:solidFill>
           <a:ln>
-            <a:tailEnd type="arrow"/>
+            <a:solidFill>
+              <a:schemeClr val="bg1"/>
+            </a:solidFill>
           </a:ln>
         </p:spPr>
         <p:style>
-          <a:lnRef idx="1">
-            <a:schemeClr val="accent1"/>
+          <a:lnRef idx="2">
+            <a:schemeClr val="accent1">
+              <a:shade val="50000"/>
+            </a:schemeClr>
           </a:lnRef>
-          <a:fillRef idx="0">
+          <a:fillRef idx="1">
             <a:schemeClr val="accent1"/>
           </a:fillRef>
           <a:effectRef idx="0">
             <a:schemeClr val="accent1"/>
           </a:effectRef>
           <a:fontRef idx="minor">
-            <a:schemeClr val="tx1"/>
+            <a:schemeClr val="lt1"/>
           </a:fontRef>
         </p:style>
-      </p:cxnSp>
-      <p:sp>
-        <p:nvSpPr>
-          <p:cNvPr id="12" name="TextBox 11"/>
-          <p:cNvSpPr txBox="1"/>
-          <p:nvPr/>
-        </p:nvSpPr>
-        <p:spPr>
-          <a:xfrm>
-            <a:off x="7792886" y="475905"/>
-            <a:ext cx="700833" cy="369332"/>
-          </a:xfrm>
-          <a:prstGeom prst="rect">
-            <a:avLst/>
-          </a:prstGeom>
-          <a:noFill/>
-        </p:spPr>
         <p:txBody>
-          <a:bodyPr wrap="none" rtlCol="0">
-            <a:spAutoFit/>
-          </a:bodyPr>
+          <a:bodyPr rtlCol="0" anchor="ctr"/>
           <a:lstStyle/>
           <a:p>
-            <a:r>
-              <a:rPr lang="en-US" dirty="0" smtClean="0"/>
-              <a:t>Same</a:t>
-            </a:r>
-            <a:endParaRPr lang="en-US" dirty="0"/>
-          </a:p>
-        </p:txBody>
-      </p:sp>
-      <p:sp>
-        <p:nvSpPr>
-          <p:cNvPr id="13" name="TextBox 12"/>
-          <p:cNvSpPr txBox="1"/>
-          <p:nvPr/>
-        </p:nvSpPr>
-        <p:spPr>
-          <a:xfrm>
-            <a:off x="7183286" y="983029"/>
-            <a:ext cx="506870" cy="369332"/>
-          </a:xfrm>
-          <a:prstGeom prst="rect">
-            <a:avLst/>
-          </a:prstGeom>
-          <a:noFill/>
-        </p:spPr>
-        <p:txBody>
-          <a:bodyPr wrap="none" rtlCol="0">
-            <a:spAutoFit/>
-          </a:bodyPr>
-          <a:lstStyle/>
-          <a:p>
-            <a:r>
-              <a:rPr lang="en-US" dirty="0" smtClean="0"/>
-              <a:t>???</a:t>
-            </a:r>
-            <a:endParaRPr lang="en-US" dirty="0"/>
-          </a:p>
-        </p:txBody>
-      </p:sp>
-      <p:sp>
-        <p:nvSpPr>
-          <p:cNvPr id="14" name="TextBox 13"/>
-          <p:cNvSpPr txBox="1"/>
-          <p:nvPr/>
-        </p:nvSpPr>
-        <p:spPr>
-          <a:xfrm>
-            <a:off x="6983859" y="1782973"/>
-            <a:ext cx="950260" cy="369332"/>
-          </a:xfrm>
-          <a:prstGeom prst="rect">
-            <a:avLst/>
-          </a:prstGeom>
-          <a:noFill/>
-        </p:spPr>
-        <p:txBody>
-          <a:bodyPr wrap="none" rtlCol="0">
-            <a:spAutoFit/>
-          </a:bodyPr>
-          <a:lstStyle/>
-          <a:p>
-            <a:r>
-              <a:rPr lang="en-US" dirty="0" smtClean="0"/>
-              <a:t>60% diff</a:t>
-            </a:r>
-            <a:endParaRPr lang="en-US" dirty="0"/>
-          </a:p>
-        </p:txBody>
-      </p:sp>
-      <p:sp>
-        <p:nvSpPr>
-          <p:cNvPr id="15" name="TextBox 14"/>
-          <p:cNvSpPr txBox="1"/>
-          <p:nvPr/>
-        </p:nvSpPr>
-        <p:spPr>
-          <a:xfrm>
-            <a:off x="6669507" y="2182678"/>
-            <a:ext cx="1093248" cy="369332"/>
-          </a:xfrm>
-          <a:prstGeom prst="rect">
-            <a:avLst/>
-          </a:prstGeom>
-          <a:noFill/>
-        </p:spPr>
-        <p:txBody>
-          <a:bodyPr wrap="none" rtlCol="0">
-            <a:spAutoFit/>
-          </a:bodyPr>
-          <a:lstStyle/>
-          <a:p>
-            <a:r>
-              <a:rPr lang="en-US" dirty="0" smtClean="0"/>
-              <a:t>Different!</a:t>
-            </a:r>
-            <a:endParaRPr lang="en-US" dirty="0"/>
+            <a:pPr algn="ctr"/>
+            <a:endParaRPr lang="en-US"/>
           </a:p>
         </p:txBody>
       </p:sp>
     </p:spTree>
     <p:extLst>
       <p:ext uri="{BB962C8B-B14F-4D97-AF65-F5344CB8AC3E}">
-        <p14:creationId xmlns:p14="http://schemas.microsoft.com/office/powerpoint/2010/main" val="4000539221"/>
+        <p14:creationId xmlns:p14="http://schemas.microsoft.com/office/powerpoint/2010/main" val="203382471"/>
       </p:ext>
     </p:extLst>
   </p:cSld>
@@ -5508,6 +5595,1014 @@
         </p:blipFill>
         <p:spPr bwMode="auto">
           <a:xfrm>
+            <a:off x="152400" y="660571"/>
+            <a:ext cx="5370003" cy="4902029"/>
+          </a:xfrm>
+          <a:prstGeom prst="rect">
+            <a:avLst/>
+          </a:prstGeom>
+          <a:noFill/>
+          <a:ln>
+            <a:noFill/>
+          </a:ln>
+          <a:effectLst/>
+          <a:extLst>
+            <a:ext uri="{909E8E84-426E-40DD-AFC4-6F175D3DCCD1}">
+              <a14:hiddenFill xmlns:a14="http://schemas.microsoft.com/office/drawing/2010/main">
+                <a:solidFill>
+                  <a:schemeClr val="accent1"/>
+                </a:solidFill>
+              </a14:hiddenFill>
+            </a:ext>
+            <a:ext uri="{91240B29-F687-4F45-9708-019B960494DF}">
+              <a14:hiddenLine xmlns:a14="http://schemas.microsoft.com/office/drawing/2010/main" w="9525">
+                <a:solidFill>
+                  <a:schemeClr val="tx1"/>
+                </a:solidFill>
+                <a:miter lim="800000"/>
+                <a:headEnd/>
+                <a:tailEnd/>
+              </a14:hiddenLine>
+            </a:ext>
+            <a:ext uri="{AF507438-7753-43E0-B8FC-AC1667EBCBE1}">
+              <a14:hiddenEffects xmlns:a14="http://schemas.microsoft.com/office/drawing/2010/main">
+                <a:effectLst>
+                  <a:outerShdw dist="35921" dir="2700000" algn="ctr" rotWithShape="0">
+                    <a:schemeClr val="bg2"/>
+                  </a:outerShdw>
+                </a:effectLst>
+              </a14:hiddenEffects>
+            </a:ext>
+          </a:extLst>
+        </p:spPr>
+      </p:pic>
+      <p:sp>
+        <p:nvSpPr>
+          <p:cNvPr id="16" name="Rectangle 15"/>
+          <p:cNvSpPr/>
+          <p:nvPr/>
+        </p:nvSpPr>
+        <p:spPr>
+          <a:xfrm>
+            <a:off x="2590800" y="1371600"/>
+            <a:ext cx="2057400" cy="381000"/>
+          </a:xfrm>
+          <a:prstGeom prst="rect">
+            <a:avLst/>
+          </a:prstGeom>
+          <a:solidFill>
+            <a:schemeClr val="bg1"/>
+          </a:solidFill>
+          <a:ln>
+            <a:solidFill>
+              <a:schemeClr val="bg1"/>
+            </a:solidFill>
+          </a:ln>
+        </p:spPr>
+        <p:style>
+          <a:lnRef idx="2">
+            <a:schemeClr val="accent1">
+              <a:shade val="50000"/>
+            </a:schemeClr>
+          </a:lnRef>
+          <a:fillRef idx="1">
+            <a:schemeClr val="accent1"/>
+          </a:fillRef>
+          <a:effectRef idx="0">
+            <a:schemeClr val="accent1"/>
+          </a:effectRef>
+          <a:fontRef idx="minor">
+            <a:schemeClr val="lt1"/>
+          </a:fontRef>
+        </p:style>
+        <p:txBody>
+          <a:bodyPr rtlCol="0" anchor="ctr"/>
+          <a:lstStyle/>
+          <a:p>
+            <a:pPr algn="ctr"/>
+            <a:endParaRPr lang="en-US"/>
+          </a:p>
+        </p:txBody>
+      </p:sp>
+      <p:sp>
+        <p:nvSpPr>
+          <p:cNvPr id="19" name="Rectangle 18"/>
+          <p:cNvSpPr/>
+          <p:nvPr/>
+        </p:nvSpPr>
+        <p:spPr>
+          <a:xfrm>
+            <a:off x="1219200" y="4114800"/>
+            <a:ext cx="4038600" cy="381000"/>
+          </a:xfrm>
+          <a:prstGeom prst="rect">
+            <a:avLst/>
+          </a:prstGeom>
+          <a:solidFill>
+            <a:schemeClr val="bg1"/>
+          </a:solidFill>
+          <a:ln>
+            <a:solidFill>
+              <a:schemeClr val="bg1"/>
+            </a:solidFill>
+          </a:ln>
+        </p:spPr>
+        <p:style>
+          <a:lnRef idx="2">
+            <a:schemeClr val="accent1">
+              <a:shade val="50000"/>
+            </a:schemeClr>
+          </a:lnRef>
+          <a:fillRef idx="1">
+            <a:schemeClr val="accent1"/>
+          </a:fillRef>
+          <a:effectRef idx="0">
+            <a:schemeClr val="accent1"/>
+          </a:effectRef>
+          <a:fontRef idx="minor">
+            <a:schemeClr val="lt1"/>
+          </a:fontRef>
+        </p:style>
+        <p:txBody>
+          <a:bodyPr rtlCol="0" anchor="ctr"/>
+          <a:lstStyle/>
+          <a:p>
+            <a:pPr algn="ctr"/>
+            <a:endParaRPr lang="en-US"/>
+          </a:p>
+        </p:txBody>
+      </p:sp>
+    </p:spTree>
+    <p:extLst>
+      <p:ext uri="{BB962C8B-B14F-4D97-AF65-F5344CB8AC3E}">
+        <p14:creationId xmlns:p14="http://schemas.microsoft.com/office/powerpoint/2010/main" val="3947920785"/>
+      </p:ext>
+    </p:extLst>
+  </p:cSld>
+  <p:clrMapOvr>
+    <a:masterClrMapping/>
+  </p:clrMapOvr>
+</p:sld>
+</file>
+
+<file path=ppt/slides/slide22.xml><?xml version="1.0" encoding="utf-8"?>
+<p:sld xmlns:a="http://schemas.openxmlformats.org/drawingml/2006/main" xmlns:r="http://schemas.openxmlformats.org/officeDocument/2006/relationships" xmlns:p="http://schemas.openxmlformats.org/presentationml/2006/main">
+  <p:cSld>
+    <p:spTree>
+      <p:nvGrpSpPr>
+        <p:cNvPr id="1" name=""/>
+        <p:cNvGrpSpPr/>
+        <p:nvPr/>
+      </p:nvGrpSpPr>
+      <p:grpSpPr>
+        <a:xfrm>
+          <a:off x="0" y="0"/>
+          <a:ext cx="0" cy="0"/>
+          <a:chOff x="0" y="0"/>
+          <a:chExt cx="0" cy="0"/>
+        </a:xfrm>
+      </p:grpSpPr>
+      <p:pic>
+        <p:nvPicPr>
+          <p:cNvPr id="8194" name="Picture 2"/>
+          <p:cNvPicPr>
+            <a:picLocks noChangeAspect="1" noChangeArrowheads="1"/>
+          </p:cNvPicPr>
+          <p:nvPr/>
+        </p:nvPicPr>
+        <p:blipFill>
+          <a:blip r:embed="rId2">
+            <a:extLst>
+              <a:ext uri="{28A0092B-C50C-407E-A947-70E740481C1C}">
+                <a14:useLocalDpi xmlns:a14="http://schemas.microsoft.com/office/drawing/2010/main" val="0"/>
+              </a:ext>
+            </a:extLst>
+          </a:blip>
+          <a:srcRect/>
+          <a:stretch>
+            <a:fillRect/>
+          </a:stretch>
+        </p:blipFill>
+        <p:spPr bwMode="auto">
+          <a:xfrm>
+            <a:off x="152400" y="660571"/>
+            <a:ext cx="5370003" cy="4902029"/>
+          </a:xfrm>
+          <a:prstGeom prst="rect">
+            <a:avLst/>
+          </a:prstGeom>
+          <a:noFill/>
+          <a:ln>
+            <a:noFill/>
+          </a:ln>
+          <a:effectLst/>
+          <a:extLst>
+            <a:ext uri="{909E8E84-426E-40DD-AFC4-6F175D3DCCD1}">
+              <a14:hiddenFill xmlns:a14="http://schemas.microsoft.com/office/drawing/2010/main">
+                <a:solidFill>
+                  <a:schemeClr val="accent1"/>
+                </a:solidFill>
+              </a14:hiddenFill>
+            </a:ext>
+            <a:ext uri="{91240B29-F687-4F45-9708-019B960494DF}">
+              <a14:hiddenLine xmlns:a14="http://schemas.microsoft.com/office/drawing/2010/main" w="9525">
+                <a:solidFill>
+                  <a:schemeClr val="tx1"/>
+                </a:solidFill>
+                <a:miter lim="800000"/>
+                <a:headEnd/>
+                <a:tailEnd/>
+              </a14:hiddenLine>
+            </a:ext>
+            <a:ext uri="{AF507438-7753-43E0-B8FC-AC1667EBCBE1}">
+              <a14:hiddenEffects xmlns:a14="http://schemas.microsoft.com/office/drawing/2010/main">
+                <a:effectLst>
+                  <a:outerShdw dist="35921" dir="2700000" algn="ctr" rotWithShape="0">
+                    <a:schemeClr val="bg2"/>
+                  </a:outerShdw>
+                </a:effectLst>
+              </a14:hiddenEffects>
+            </a:ext>
+          </a:extLst>
+        </p:spPr>
+      </p:pic>
+      <p:sp>
+        <p:nvSpPr>
+          <p:cNvPr id="16" name="Rectangle 15"/>
+          <p:cNvSpPr/>
+          <p:nvPr/>
+        </p:nvSpPr>
+        <p:spPr>
+          <a:xfrm>
+            <a:off x="2590800" y="1371600"/>
+            <a:ext cx="2057400" cy="381000"/>
+          </a:xfrm>
+          <a:prstGeom prst="rect">
+            <a:avLst/>
+          </a:prstGeom>
+          <a:solidFill>
+            <a:schemeClr val="bg1"/>
+          </a:solidFill>
+          <a:ln>
+            <a:solidFill>
+              <a:schemeClr val="bg1"/>
+            </a:solidFill>
+          </a:ln>
+        </p:spPr>
+        <p:style>
+          <a:lnRef idx="2">
+            <a:schemeClr val="accent1">
+              <a:shade val="50000"/>
+            </a:schemeClr>
+          </a:lnRef>
+          <a:fillRef idx="1">
+            <a:schemeClr val="accent1"/>
+          </a:fillRef>
+          <a:effectRef idx="0">
+            <a:schemeClr val="accent1"/>
+          </a:effectRef>
+          <a:fontRef idx="minor">
+            <a:schemeClr val="lt1"/>
+          </a:fontRef>
+        </p:style>
+        <p:txBody>
+          <a:bodyPr rtlCol="0" anchor="ctr"/>
+          <a:lstStyle/>
+          <a:p>
+            <a:pPr algn="ctr"/>
+            <a:endParaRPr lang="en-US"/>
+          </a:p>
+        </p:txBody>
+      </p:sp>
+      <p:sp>
+        <p:nvSpPr>
+          <p:cNvPr id="19" name="Rectangle 18"/>
+          <p:cNvSpPr/>
+          <p:nvPr/>
+        </p:nvSpPr>
+        <p:spPr>
+          <a:xfrm>
+            <a:off x="1219200" y="4114800"/>
+            <a:ext cx="4038600" cy="381000"/>
+          </a:xfrm>
+          <a:prstGeom prst="rect">
+            <a:avLst/>
+          </a:prstGeom>
+          <a:solidFill>
+            <a:schemeClr val="bg1"/>
+          </a:solidFill>
+          <a:ln>
+            <a:solidFill>
+              <a:schemeClr val="bg1"/>
+            </a:solidFill>
+          </a:ln>
+        </p:spPr>
+        <p:style>
+          <a:lnRef idx="2">
+            <a:schemeClr val="accent1">
+              <a:shade val="50000"/>
+            </a:schemeClr>
+          </a:lnRef>
+          <a:fillRef idx="1">
+            <a:schemeClr val="accent1"/>
+          </a:fillRef>
+          <a:effectRef idx="0">
+            <a:schemeClr val="accent1"/>
+          </a:effectRef>
+          <a:fontRef idx="minor">
+            <a:schemeClr val="lt1"/>
+          </a:fontRef>
+        </p:style>
+        <p:txBody>
+          <a:bodyPr rtlCol="0" anchor="ctr"/>
+          <a:lstStyle/>
+          <a:p>
+            <a:pPr algn="ctr"/>
+            <a:endParaRPr lang="en-US"/>
+          </a:p>
+        </p:txBody>
+      </p:sp>
+      <p:grpSp>
+        <p:nvGrpSpPr>
+          <p:cNvPr id="5" name="Group 4"/>
+          <p:cNvGrpSpPr/>
+          <p:nvPr/>
+        </p:nvGrpSpPr>
+        <p:grpSpPr>
+          <a:xfrm>
+            <a:off x="5817451" y="1371600"/>
+            <a:ext cx="2971316" cy="3410295"/>
+            <a:chOff x="6669507" y="475905"/>
+            <a:chExt cx="1824212" cy="2076105"/>
+          </a:xfrm>
+        </p:grpSpPr>
+        <p:cxnSp>
+          <p:nvCxnSpPr>
+            <p:cNvPr id="6" name="Straight Arrow Connector 5"/>
+            <p:cNvCxnSpPr/>
+            <p:nvPr/>
+          </p:nvCxnSpPr>
+          <p:spPr>
+            <a:xfrm flipH="1" flipV="1">
+              <a:off x="7945286" y="856905"/>
+              <a:ext cx="381000" cy="1447800"/>
+            </a:xfrm>
+            <a:prstGeom prst="straightConnector1">
+              <a:avLst/>
+            </a:prstGeom>
+            <a:ln>
+              <a:tailEnd type="arrow"/>
+            </a:ln>
+          </p:spPr>
+          <p:style>
+            <a:lnRef idx="1">
+              <a:schemeClr val="accent1"/>
+            </a:lnRef>
+            <a:fillRef idx="0">
+              <a:schemeClr val="accent1"/>
+            </a:fillRef>
+            <a:effectRef idx="0">
+              <a:schemeClr val="accent1"/>
+            </a:effectRef>
+            <a:fontRef idx="minor">
+              <a:schemeClr val="tx1"/>
+            </a:fontRef>
+          </p:style>
+        </p:cxnSp>
+        <p:cxnSp>
+          <p:nvCxnSpPr>
+            <p:cNvPr id="7" name="Straight Arrow Connector 6"/>
+            <p:cNvCxnSpPr/>
+            <p:nvPr/>
+          </p:nvCxnSpPr>
+          <p:spPr>
+            <a:xfrm flipH="1" flipV="1">
+              <a:off x="7488086" y="1237905"/>
+              <a:ext cx="838200" cy="1066800"/>
+            </a:xfrm>
+            <a:prstGeom prst="straightConnector1">
+              <a:avLst/>
+            </a:prstGeom>
+            <a:ln>
+              <a:tailEnd type="arrow"/>
+            </a:ln>
+          </p:spPr>
+          <p:style>
+            <a:lnRef idx="3">
+              <a:schemeClr val="dk1"/>
+            </a:lnRef>
+            <a:fillRef idx="0">
+              <a:schemeClr val="dk1"/>
+            </a:fillRef>
+            <a:effectRef idx="2">
+              <a:schemeClr val="dk1"/>
+            </a:effectRef>
+            <a:fontRef idx="minor">
+              <a:schemeClr val="tx1"/>
+            </a:fontRef>
+          </p:style>
+        </p:cxnSp>
+        <p:cxnSp>
+          <p:nvCxnSpPr>
+            <p:cNvPr id="8" name="Straight Arrow Connector 7"/>
+            <p:cNvCxnSpPr/>
+            <p:nvPr/>
+          </p:nvCxnSpPr>
+          <p:spPr>
+            <a:xfrm flipH="1" flipV="1">
+              <a:off x="7907186" y="1999905"/>
+              <a:ext cx="419100" cy="304800"/>
+            </a:xfrm>
+            <a:prstGeom prst="straightConnector1">
+              <a:avLst/>
+            </a:prstGeom>
+            <a:ln>
+              <a:tailEnd type="arrow"/>
+            </a:ln>
+          </p:spPr>
+          <p:style>
+            <a:lnRef idx="1">
+              <a:schemeClr val="accent1"/>
+            </a:lnRef>
+            <a:fillRef idx="0">
+              <a:schemeClr val="accent1"/>
+            </a:fillRef>
+            <a:effectRef idx="0">
+              <a:schemeClr val="accent1"/>
+            </a:effectRef>
+            <a:fontRef idx="minor">
+              <a:schemeClr val="tx1"/>
+            </a:fontRef>
+          </p:style>
+        </p:cxnSp>
+        <p:cxnSp>
+          <p:nvCxnSpPr>
+            <p:cNvPr id="9" name="Straight Arrow Connector 8"/>
+            <p:cNvCxnSpPr/>
+            <p:nvPr/>
+          </p:nvCxnSpPr>
+          <p:spPr>
+            <a:xfrm flipH="1">
+              <a:off x="7792886" y="2304705"/>
+              <a:ext cx="533400" cy="0"/>
+            </a:xfrm>
+            <a:prstGeom prst="straightConnector1">
+              <a:avLst/>
+            </a:prstGeom>
+            <a:ln>
+              <a:tailEnd type="arrow"/>
+            </a:ln>
+          </p:spPr>
+          <p:style>
+            <a:lnRef idx="1">
+              <a:schemeClr val="accent1"/>
+            </a:lnRef>
+            <a:fillRef idx="0">
+              <a:schemeClr val="accent1"/>
+            </a:fillRef>
+            <a:effectRef idx="0">
+              <a:schemeClr val="accent1"/>
+            </a:effectRef>
+            <a:fontRef idx="minor">
+              <a:schemeClr val="tx1"/>
+            </a:fontRef>
+          </p:style>
+        </p:cxnSp>
+        <p:sp>
+          <p:nvSpPr>
+            <p:cNvPr id="10" name="TextBox 9"/>
+            <p:cNvSpPr txBox="1"/>
+            <p:nvPr/>
+          </p:nvSpPr>
+          <p:spPr>
+            <a:xfrm>
+              <a:off x="7792886" y="475905"/>
+              <a:ext cx="700833" cy="369332"/>
+            </a:xfrm>
+            <a:prstGeom prst="rect">
+              <a:avLst/>
+            </a:prstGeom>
+            <a:noFill/>
+          </p:spPr>
+          <p:txBody>
+            <a:bodyPr wrap="none" rtlCol="0">
+              <a:spAutoFit/>
+            </a:bodyPr>
+            <a:lstStyle/>
+            <a:p>
+              <a:r>
+                <a:rPr lang="en-US" dirty="0" smtClean="0"/>
+                <a:t>Same</a:t>
+              </a:r>
+              <a:endParaRPr lang="en-US" dirty="0"/>
+            </a:p>
+          </p:txBody>
+        </p:sp>
+        <p:sp>
+          <p:nvSpPr>
+            <p:cNvPr id="11" name="TextBox 10"/>
+            <p:cNvSpPr txBox="1"/>
+            <p:nvPr/>
+          </p:nvSpPr>
+          <p:spPr>
+            <a:xfrm>
+              <a:off x="7075504" y="983029"/>
+              <a:ext cx="687251" cy="224840"/>
+            </a:xfrm>
+            <a:prstGeom prst="rect">
+              <a:avLst/>
+            </a:prstGeom>
+            <a:noFill/>
+          </p:spPr>
+          <p:txBody>
+            <a:bodyPr wrap="none" rtlCol="0">
+              <a:spAutoFit/>
+            </a:bodyPr>
+            <a:lstStyle/>
+            <a:p>
+              <a:r>
+                <a:rPr lang="en-US" dirty="0" smtClean="0"/>
+                <a:t>Threshold</a:t>
+              </a:r>
+              <a:endParaRPr lang="en-US" dirty="0"/>
+            </a:p>
+          </p:txBody>
+        </p:sp>
+        <p:sp>
+          <p:nvSpPr>
+            <p:cNvPr id="12" name="TextBox 11"/>
+            <p:cNvSpPr txBox="1"/>
+            <p:nvPr/>
+          </p:nvSpPr>
+          <p:spPr>
+            <a:xfrm>
+              <a:off x="6983859" y="1782973"/>
+              <a:ext cx="950260" cy="369332"/>
+            </a:xfrm>
+            <a:prstGeom prst="rect">
+              <a:avLst/>
+            </a:prstGeom>
+            <a:noFill/>
+          </p:spPr>
+          <p:txBody>
+            <a:bodyPr wrap="none" rtlCol="0">
+              <a:spAutoFit/>
+            </a:bodyPr>
+            <a:lstStyle/>
+            <a:p>
+              <a:r>
+                <a:rPr lang="en-US" dirty="0" smtClean="0"/>
+                <a:t>60% diff</a:t>
+              </a:r>
+              <a:endParaRPr lang="en-US" dirty="0"/>
+            </a:p>
+          </p:txBody>
+        </p:sp>
+        <p:sp>
+          <p:nvSpPr>
+            <p:cNvPr id="13" name="TextBox 12"/>
+            <p:cNvSpPr txBox="1"/>
+            <p:nvPr/>
+          </p:nvSpPr>
+          <p:spPr>
+            <a:xfrm>
+              <a:off x="6669507" y="2182678"/>
+              <a:ext cx="1093248" cy="369332"/>
+            </a:xfrm>
+            <a:prstGeom prst="rect">
+              <a:avLst/>
+            </a:prstGeom>
+            <a:noFill/>
+          </p:spPr>
+          <p:txBody>
+            <a:bodyPr wrap="none" rtlCol="0">
+              <a:spAutoFit/>
+            </a:bodyPr>
+            <a:lstStyle/>
+            <a:p>
+              <a:r>
+                <a:rPr lang="en-US" dirty="0" smtClean="0"/>
+                <a:t>Different!</a:t>
+              </a:r>
+              <a:endParaRPr lang="en-US" dirty="0"/>
+            </a:p>
+          </p:txBody>
+        </p:sp>
+      </p:grpSp>
+    </p:spTree>
+    <p:extLst>
+      <p:ext uri="{BB962C8B-B14F-4D97-AF65-F5344CB8AC3E}">
+        <p14:creationId xmlns:p14="http://schemas.microsoft.com/office/powerpoint/2010/main" val="1173181539"/>
+      </p:ext>
+    </p:extLst>
+  </p:cSld>
+  <p:clrMapOvr>
+    <a:masterClrMapping/>
+  </p:clrMapOvr>
+</p:sld>
+</file>
+
+<file path=ppt/slides/slide23.xml><?xml version="1.0" encoding="utf-8"?>
+<p:sld xmlns:a="http://schemas.openxmlformats.org/drawingml/2006/main" xmlns:r="http://schemas.openxmlformats.org/officeDocument/2006/relationships" xmlns:p="http://schemas.openxmlformats.org/presentationml/2006/main">
+  <p:cSld>
+    <p:spTree>
+      <p:nvGrpSpPr>
+        <p:cNvPr id="1" name=""/>
+        <p:cNvGrpSpPr/>
+        <p:nvPr/>
+      </p:nvGrpSpPr>
+      <p:grpSpPr>
+        <a:xfrm>
+          <a:off x="0" y="0"/>
+          <a:ext cx="0" cy="0"/>
+          <a:chOff x="0" y="0"/>
+          <a:chExt cx="0" cy="0"/>
+        </a:xfrm>
+      </p:grpSpPr>
+      <p:pic>
+        <p:nvPicPr>
+          <p:cNvPr id="8194" name="Picture 2"/>
+          <p:cNvPicPr>
+            <a:picLocks noChangeAspect="1" noChangeArrowheads="1"/>
+          </p:cNvPicPr>
+          <p:nvPr/>
+        </p:nvPicPr>
+        <p:blipFill>
+          <a:blip r:embed="rId2">
+            <a:extLst>
+              <a:ext uri="{28A0092B-C50C-407E-A947-70E740481C1C}">
+                <a14:useLocalDpi xmlns:a14="http://schemas.microsoft.com/office/drawing/2010/main" val="0"/>
+              </a:ext>
+            </a:extLst>
+          </a:blip>
+          <a:srcRect/>
+          <a:stretch>
+            <a:fillRect/>
+          </a:stretch>
+        </p:blipFill>
+        <p:spPr bwMode="auto">
+          <a:xfrm>
+            <a:off x="152400" y="660571"/>
+            <a:ext cx="5370003" cy="4902029"/>
+          </a:xfrm>
+          <a:prstGeom prst="rect">
+            <a:avLst/>
+          </a:prstGeom>
+          <a:noFill/>
+          <a:ln>
+            <a:noFill/>
+          </a:ln>
+          <a:effectLst/>
+          <a:extLst>
+            <a:ext uri="{909E8E84-426E-40DD-AFC4-6F175D3DCCD1}">
+              <a14:hiddenFill xmlns:a14="http://schemas.microsoft.com/office/drawing/2010/main">
+                <a:solidFill>
+                  <a:schemeClr val="accent1"/>
+                </a:solidFill>
+              </a14:hiddenFill>
+            </a:ext>
+            <a:ext uri="{91240B29-F687-4F45-9708-019B960494DF}">
+              <a14:hiddenLine xmlns:a14="http://schemas.microsoft.com/office/drawing/2010/main" w="9525">
+                <a:solidFill>
+                  <a:schemeClr val="tx1"/>
+                </a:solidFill>
+                <a:miter lim="800000"/>
+                <a:headEnd/>
+                <a:tailEnd/>
+              </a14:hiddenLine>
+            </a:ext>
+            <a:ext uri="{AF507438-7753-43E0-B8FC-AC1667EBCBE1}">
+              <a14:hiddenEffects xmlns:a14="http://schemas.microsoft.com/office/drawing/2010/main">
+                <a:effectLst>
+                  <a:outerShdw dist="35921" dir="2700000" algn="ctr" rotWithShape="0">
+                    <a:schemeClr val="bg2"/>
+                  </a:outerShdw>
+                </a:effectLst>
+              </a14:hiddenEffects>
+            </a:ext>
+          </a:extLst>
+        </p:spPr>
+      </p:pic>
+      <p:grpSp>
+        <p:nvGrpSpPr>
+          <p:cNvPr id="20" name="Group 19"/>
+          <p:cNvGrpSpPr/>
+          <p:nvPr/>
+        </p:nvGrpSpPr>
+        <p:grpSpPr>
+          <a:xfrm>
+            <a:off x="5817451" y="1371600"/>
+            <a:ext cx="2971316" cy="3410295"/>
+            <a:chOff x="6669507" y="475905"/>
+            <a:chExt cx="1824212" cy="2076105"/>
+          </a:xfrm>
+        </p:grpSpPr>
+        <p:cxnSp>
+          <p:nvCxnSpPr>
+            <p:cNvPr id="21" name="Straight Arrow Connector 20"/>
+            <p:cNvCxnSpPr/>
+            <p:nvPr/>
+          </p:nvCxnSpPr>
+          <p:spPr>
+            <a:xfrm flipH="1" flipV="1">
+              <a:off x="7945286" y="856905"/>
+              <a:ext cx="381000" cy="1447800"/>
+            </a:xfrm>
+            <a:prstGeom prst="straightConnector1">
+              <a:avLst/>
+            </a:prstGeom>
+            <a:ln>
+              <a:tailEnd type="arrow"/>
+            </a:ln>
+          </p:spPr>
+          <p:style>
+            <a:lnRef idx="1">
+              <a:schemeClr val="accent1"/>
+            </a:lnRef>
+            <a:fillRef idx="0">
+              <a:schemeClr val="accent1"/>
+            </a:fillRef>
+            <a:effectRef idx="0">
+              <a:schemeClr val="accent1"/>
+            </a:effectRef>
+            <a:fontRef idx="minor">
+              <a:schemeClr val="tx1"/>
+            </a:fontRef>
+          </p:style>
+        </p:cxnSp>
+        <p:cxnSp>
+          <p:nvCxnSpPr>
+            <p:cNvPr id="22" name="Straight Arrow Connector 21"/>
+            <p:cNvCxnSpPr/>
+            <p:nvPr/>
+          </p:nvCxnSpPr>
+          <p:spPr>
+            <a:xfrm flipH="1" flipV="1">
+              <a:off x="7488086" y="1237905"/>
+              <a:ext cx="838200" cy="1066800"/>
+            </a:xfrm>
+            <a:prstGeom prst="straightConnector1">
+              <a:avLst/>
+            </a:prstGeom>
+            <a:ln>
+              <a:tailEnd type="arrow"/>
+            </a:ln>
+          </p:spPr>
+          <p:style>
+            <a:lnRef idx="3">
+              <a:schemeClr val="dk1"/>
+            </a:lnRef>
+            <a:fillRef idx="0">
+              <a:schemeClr val="dk1"/>
+            </a:fillRef>
+            <a:effectRef idx="2">
+              <a:schemeClr val="dk1"/>
+            </a:effectRef>
+            <a:fontRef idx="minor">
+              <a:schemeClr val="tx1"/>
+            </a:fontRef>
+          </p:style>
+        </p:cxnSp>
+        <p:cxnSp>
+          <p:nvCxnSpPr>
+            <p:cNvPr id="23" name="Straight Arrow Connector 22"/>
+            <p:cNvCxnSpPr/>
+            <p:nvPr/>
+          </p:nvCxnSpPr>
+          <p:spPr>
+            <a:xfrm flipH="1" flipV="1">
+              <a:off x="7907186" y="1999905"/>
+              <a:ext cx="419100" cy="304800"/>
+            </a:xfrm>
+            <a:prstGeom prst="straightConnector1">
+              <a:avLst/>
+            </a:prstGeom>
+            <a:ln>
+              <a:tailEnd type="arrow"/>
+            </a:ln>
+          </p:spPr>
+          <p:style>
+            <a:lnRef idx="1">
+              <a:schemeClr val="accent1"/>
+            </a:lnRef>
+            <a:fillRef idx="0">
+              <a:schemeClr val="accent1"/>
+            </a:fillRef>
+            <a:effectRef idx="0">
+              <a:schemeClr val="accent1"/>
+            </a:effectRef>
+            <a:fontRef idx="minor">
+              <a:schemeClr val="tx1"/>
+            </a:fontRef>
+          </p:style>
+        </p:cxnSp>
+        <p:cxnSp>
+          <p:nvCxnSpPr>
+            <p:cNvPr id="24" name="Straight Arrow Connector 23"/>
+            <p:cNvCxnSpPr/>
+            <p:nvPr/>
+          </p:nvCxnSpPr>
+          <p:spPr>
+            <a:xfrm flipH="1">
+              <a:off x="7792886" y="2304705"/>
+              <a:ext cx="533400" cy="0"/>
+            </a:xfrm>
+            <a:prstGeom prst="straightConnector1">
+              <a:avLst/>
+            </a:prstGeom>
+            <a:ln>
+              <a:tailEnd type="arrow"/>
+            </a:ln>
+          </p:spPr>
+          <p:style>
+            <a:lnRef idx="1">
+              <a:schemeClr val="accent1"/>
+            </a:lnRef>
+            <a:fillRef idx="0">
+              <a:schemeClr val="accent1"/>
+            </a:fillRef>
+            <a:effectRef idx="0">
+              <a:schemeClr val="accent1"/>
+            </a:effectRef>
+            <a:fontRef idx="minor">
+              <a:schemeClr val="tx1"/>
+            </a:fontRef>
+          </p:style>
+        </p:cxnSp>
+        <p:sp>
+          <p:nvSpPr>
+            <p:cNvPr id="25" name="TextBox 24"/>
+            <p:cNvSpPr txBox="1"/>
+            <p:nvPr/>
+          </p:nvSpPr>
+          <p:spPr>
+            <a:xfrm>
+              <a:off x="7792886" y="475905"/>
+              <a:ext cx="700833" cy="369332"/>
+            </a:xfrm>
+            <a:prstGeom prst="rect">
+              <a:avLst/>
+            </a:prstGeom>
+            <a:noFill/>
+          </p:spPr>
+          <p:txBody>
+            <a:bodyPr wrap="none" rtlCol="0">
+              <a:spAutoFit/>
+            </a:bodyPr>
+            <a:lstStyle/>
+            <a:p>
+              <a:r>
+                <a:rPr lang="en-US" dirty="0" smtClean="0"/>
+                <a:t>Same</a:t>
+              </a:r>
+              <a:endParaRPr lang="en-US" dirty="0"/>
+            </a:p>
+          </p:txBody>
+        </p:sp>
+        <p:sp>
+          <p:nvSpPr>
+            <p:cNvPr id="26" name="TextBox 25"/>
+            <p:cNvSpPr txBox="1"/>
+            <p:nvPr/>
+          </p:nvSpPr>
+          <p:spPr>
+            <a:xfrm>
+              <a:off x="7075504" y="983029"/>
+              <a:ext cx="687251" cy="224840"/>
+            </a:xfrm>
+            <a:prstGeom prst="rect">
+              <a:avLst/>
+            </a:prstGeom>
+            <a:noFill/>
+          </p:spPr>
+          <p:txBody>
+            <a:bodyPr wrap="none" rtlCol="0">
+              <a:spAutoFit/>
+            </a:bodyPr>
+            <a:lstStyle/>
+            <a:p>
+              <a:r>
+                <a:rPr lang="en-US" dirty="0" smtClean="0"/>
+                <a:t>Threshold</a:t>
+              </a:r>
+              <a:endParaRPr lang="en-US" dirty="0"/>
+            </a:p>
+          </p:txBody>
+        </p:sp>
+        <p:sp>
+          <p:nvSpPr>
+            <p:cNvPr id="27" name="TextBox 26"/>
+            <p:cNvSpPr txBox="1"/>
+            <p:nvPr/>
+          </p:nvSpPr>
+          <p:spPr>
+            <a:xfrm>
+              <a:off x="6983859" y="1782973"/>
+              <a:ext cx="950260" cy="369332"/>
+            </a:xfrm>
+            <a:prstGeom prst="rect">
+              <a:avLst/>
+            </a:prstGeom>
+            <a:noFill/>
+          </p:spPr>
+          <p:txBody>
+            <a:bodyPr wrap="none" rtlCol="0">
+              <a:spAutoFit/>
+            </a:bodyPr>
+            <a:lstStyle/>
+            <a:p>
+              <a:r>
+                <a:rPr lang="en-US" dirty="0" smtClean="0"/>
+                <a:t>60% diff</a:t>
+              </a:r>
+              <a:endParaRPr lang="en-US" dirty="0"/>
+            </a:p>
+          </p:txBody>
+        </p:sp>
+        <p:sp>
+          <p:nvSpPr>
+            <p:cNvPr id="28" name="TextBox 27"/>
+            <p:cNvSpPr txBox="1"/>
+            <p:nvPr/>
+          </p:nvSpPr>
+          <p:spPr>
+            <a:xfrm>
+              <a:off x="6669507" y="2182678"/>
+              <a:ext cx="1093248" cy="369332"/>
+            </a:xfrm>
+            <a:prstGeom prst="rect">
+              <a:avLst/>
+            </a:prstGeom>
+            <a:noFill/>
+          </p:spPr>
+          <p:txBody>
+            <a:bodyPr wrap="none" rtlCol="0">
+              <a:spAutoFit/>
+            </a:bodyPr>
+            <a:lstStyle/>
+            <a:p>
+              <a:r>
+                <a:rPr lang="en-US" dirty="0" smtClean="0"/>
+                <a:t>Different!</a:t>
+              </a:r>
+              <a:endParaRPr lang="en-US" dirty="0"/>
+            </a:p>
+          </p:txBody>
+        </p:sp>
+      </p:grpSp>
+    </p:spTree>
+    <p:extLst>
+      <p:ext uri="{BB962C8B-B14F-4D97-AF65-F5344CB8AC3E}">
+        <p14:creationId xmlns:p14="http://schemas.microsoft.com/office/powerpoint/2010/main" val="1636158415"/>
+      </p:ext>
+    </p:extLst>
+  </p:cSld>
+  <p:clrMapOvr>
+    <a:masterClrMapping/>
+  </p:clrMapOvr>
+</p:sld>
+</file>
+
+<file path=ppt/slides/slide24.xml><?xml version="1.0" encoding="utf-8"?>
+<p:sld xmlns:a="http://schemas.openxmlformats.org/drawingml/2006/main" xmlns:r="http://schemas.openxmlformats.org/officeDocument/2006/relationships" xmlns:p="http://schemas.openxmlformats.org/presentationml/2006/main">
+  <p:cSld>
+    <p:spTree>
+      <p:nvGrpSpPr>
+        <p:cNvPr id="1" name=""/>
+        <p:cNvGrpSpPr/>
+        <p:nvPr/>
+      </p:nvGrpSpPr>
+      <p:grpSpPr>
+        <a:xfrm>
+          <a:off x="0" y="0"/>
+          <a:ext cx="0" cy="0"/>
+          <a:chOff x="0" y="0"/>
+          <a:chExt cx="0" cy="0"/>
+        </a:xfrm>
+      </p:grpSpPr>
+      <p:pic>
+        <p:nvPicPr>
+          <p:cNvPr id="8194" name="Picture 2"/>
+          <p:cNvPicPr>
+            <a:picLocks noChangeAspect="1" noChangeArrowheads="1"/>
+          </p:cNvPicPr>
+          <p:nvPr/>
+        </p:nvPicPr>
+        <p:blipFill>
+          <a:blip r:embed="rId2">
+            <a:extLst>
+              <a:ext uri="{28A0092B-C50C-407E-A947-70E740481C1C}">
+                <a14:useLocalDpi xmlns:a14="http://schemas.microsoft.com/office/drawing/2010/main" val="0"/>
+              </a:ext>
+            </a:extLst>
+          </a:blip>
+          <a:srcRect/>
+          <a:stretch>
+            <a:fillRect/>
+          </a:stretch>
+        </p:blipFill>
+        <p:spPr bwMode="auto">
+          <a:xfrm>
             <a:off x="55714" y="660571"/>
             <a:ext cx="5370003" cy="4902029"/>
           </a:xfrm>
@@ -5869,6 +6964,399 @@
     <p:extLst>
       <p:ext uri="{BB962C8B-B14F-4D97-AF65-F5344CB8AC3E}">
         <p14:creationId xmlns:p14="http://schemas.microsoft.com/office/powerpoint/2010/main" val="1189566050"/>
+      </p:ext>
+    </p:extLst>
+  </p:cSld>
+  <p:clrMapOvr>
+    <a:masterClrMapping/>
+  </p:clrMapOvr>
+</p:sld>
+</file>
+
+<file path=ppt/slides/slide25.xml><?xml version="1.0" encoding="utf-8"?>
+<p:sld xmlns:a="http://schemas.openxmlformats.org/drawingml/2006/main" xmlns:r="http://schemas.openxmlformats.org/officeDocument/2006/relationships" xmlns:p="http://schemas.openxmlformats.org/presentationml/2006/main">
+  <p:cSld>
+    <p:spTree>
+      <p:nvGrpSpPr>
+        <p:cNvPr id="1" name=""/>
+        <p:cNvGrpSpPr/>
+        <p:nvPr/>
+      </p:nvGrpSpPr>
+      <p:grpSpPr>
+        <a:xfrm>
+          <a:off x="0" y="0"/>
+          <a:ext cx="0" cy="0"/>
+          <a:chOff x="0" y="0"/>
+          <a:chExt cx="0" cy="0"/>
+        </a:xfrm>
+      </p:grpSpPr>
+      <p:pic>
+        <p:nvPicPr>
+          <p:cNvPr id="4" name="Picture 2" descr="http://interfacelift.com/wallpaper/Dbff96b1/02173_stanfordatsunrise_2560x1440.jpg"/>
+          <p:cNvPicPr>
+            <a:picLocks noChangeAspect="1" noChangeArrowheads="1"/>
+          </p:cNvPicPr>
+          <p:nvPr/>
+        </p:nvPicPr>
+        <p:blipFill>
+          <a:blip r:embed="rId2" cstate="print">
+            <a:extLst>
+              <a:ext uri="{28A0092B-C50C-407E-A947-70E740481C1C}">
+                <a14:useLocalDpi xmlns:a14="http://schemas.microsoft.com/office/drawing/2010/main" val="0"/>
+              </a:ext>
+            </a:extLst>
+          </a:blip>
+          <a:srcRect/>
+          <a:stretch>
+            <a:fillRect/>
+          </a:stretch>
+        </p:blipFill>
+        <p:spPr bwMode="auto">
+          <a:xfrm>
+            <a:off x="228599" y="2328958"/>
+            <a:ext cx="4227779" cy="2378830"/>
+          </a:xfrm>
+          <a:prstGeom prst="rect">
+            <a:avLst/>
+          </a:prstGeom>
+          <a:noFill/>
+          <a:extLst>
+            <a:ext uri="{909E8E84-426E-40DD-AFC4-6F175D3DCCD1}">
+              <a14:hiddenFill xmlns:a14="http://schemas.microsoft.com/office/drawing/2010/main">
+                <a:solidFill>
+                  <a:srgbClr val="FFFFFF"/>
+                </a:solidFill>
+              </a14:hiddenFill>
+            </a:ext>
+          </a:extLst>
+        </p:spPr>
+      </p:pic>
+      <p:pic>
+        <p:nvPicPr>
+          <p:cNvPr id="5" name="Picture 4" descr="https://upload.wikimedia.org/wikipedia/commons/7/7f/UCBerkeleyCampus.jpg"/>
+          <p:cNvPicPr>
+            <a:picLocks noChangeAspect="1" noChangeArrowheads="1"/>
+          </p:cNvPicPr>
+          <p:nvPr/>
+        </p:nvPicPr>
+        <p:blipFill>
+          <a:blip r:embed="rId3" cstate="print">
+            <a:extLst>
+              <a:ext uri="{28A0092B-C50C-407E-A947-70E740481C1C}">
+                <a14:useLocalDpi xmlns:a14="http://schemas.microsoft.com/office/drawing/2010/main" val="0"/>
+              </a:ext>
+            </a:extLst>
+          </a:blip>
+          <a:srcRect/>
+          <a:stretch>
+            <a:fillRect/>
+          </a:stretch>
+        </p:blipFill>
+        <p:spPr bwMode="auto">
+          <a:xfrm>
+            <a:off x="2342488" y="4343400"/>
+            <a:ext cx="3677312" cy="2392332"/>
+          </a:xfrm>
+          <a:prstGeom prst="rect">
+            <a:avLst/>
+          </a:prstGeom>
+          <a:noFill/>
+          <a:extLst>
+            <a:ext uri="{909E8E84-426E-40DD-AFC4-6F175D3DCCD1}">
+              <a14:hiddenFill xmlns:a14="http://schemas.microsoft.com/office/drawing/2010/main">
+                <a:solidFill>
+                  <a:srgbClr val="FFFFFF"/>
+                </a:solidFill>
+              </a14:hiddenFill>
+            </a:ext>
+          </a:extLst>
+        </p:spPr>
+      </p:pic>
+    </p:spTree>
+    <p:extLst>
+      <p:ext uri="{BB962C8B-B14F-4D97-AF65-F5344CB8AC3E}">
+        <p14:creationId xmlns:p14="http://schemas.microsoft.com/office/powerpoint/2010/main" val="380269535"/>
+      </p:ext>
+    </p:extLst>
+  </p:cSld>
+  <p:clrMapOvr>
+    <a:masterClrMapping/>
+  </p:clrMapOvr>
+  <p:timing>
+    <p:tnLst>
+      <p:par>
+        <p:cTn id="1" dur="indefinite" restart="never" nodeType="tmRoot"/>
+      </p:par>
+    </p:tnLst>
+  </p:timing>
+</p:sld>
+</file>
+
+<file path=ppt/slides/slide26.xml><?xml version="1.0" encoding="utf-8"?>
+<p:sld xmlns:a="http://schemas.openxmlformats.org/drawingml/2006/main" xmlns:r="http://schemas.openxmlformats.org/officeDocument/2006/relationships" xmlns:p="http://schemas.openxmlformats.org/presentationml/2006/main">
+  <p:cSld>
+    <p:spTree>
+      <p:nvGrpSpPr>
+        <p:cNvPr id="1" name=""/>
+        <p:cNvGrpSpPr/>
+        <p:nvPr/>
+      </p:nvGrpSpPr>
+      <p:grpSpPr>
+        <a:xfrm>
+          <a:off x="0" y="0"/>
+          <a:ext cx="0" cy="0"/>
+          <a:chOff x="0" y="0"/>
+          <a:chExt cx="0" cy="0"/>
+        </a:xfrm>
+      </p:grpSpPr>
+      <p:pic>
+        <p:nvPicPr>
+          <p:cNvPr id="4" name="Picture 2" descr="http://interfacelift.com/wallpaper/Dbff96b1/02173_stanfordatsunrise_2560x1440.jpg"/>
+          <p:cNvPicPr>
+            <a:picLocks noChangeAspect="1" noChangeArrowheads="1"/>
+          </p:cNvPicPr>
+          <p:nvPr/>
+        </p:nvPicPr>
+        <p:blipFill>
+          <a:blip r:embed="rId2" cstate="print">
+            <a:extLst>
+              <a:ext uri="{28A0092B-C50C-407E-A947-70E740481C1C}">
+                <a14:useLocalDpi xmlns:a14="http://schemas.microsoft.com/office/drawing/2010/main" val="0"/>
+              </a:ext>
+            </a:extLst>
+          </a:blip>
+          <a:srcRect/>
+          <a:stretch>
+            <a:fillRect/>
+          </a:stretch>
+        </p:blipFill>
+        <p:spPr bwMode="auto">
+          <a:xfrm>
+            <a:off x="228599" y="2328958"/>
+            <a:ext cx="4227779" cy="2378830"/>
+          </a:xfrm>
+          <a:prstGeom prst="rect">
+            <a:avLst/>
+          </a:prstGeom>
+          <a:noFill/>
+          <a:extLst>
+            <a:ext uri="{909E8E84-426E-40DD-AFC4-6F175D3DCCD1}">
+              <a14:hiddenFill xmlns:a14="http://schemas.microsoft.com/office/drawing/2010/main">
+                <a:solidFill>
+                  <a:srgbClr val="FFFFFF"/>
+                </a:solidFill>
+              </a14:hiddenFill>
+            </a:ext>
+          </a:extLst>
+        </p:spPr>
+      </p:pic>
+      <p:pic>
+        <p:nvPicPr>
+          <p:cNvPr id="5" name="Picture 4" descr="https://upload.wikimedia.org/wikipedia/commons/7/7f/UCBerkeleyCampus.jpg"/>
+          <p:cNvPicPr>
+            <a:picLocks noChangeAspect="1" noChangeArrowheads="1"/>
+          </p:cNvPicPr>
+          <p:nvPr/>
+        </p:nvPicPr>
+        <p:blipFill>
+          <a:blip r:embed="rId3" cstate="print">
+            <a:extLst>
+              <a:ext uri="{28A0092B-C50C-407E-A947-70E740481C1C}">
+                <a14:useLocalDpi xmlns:a14="http://schemas.microsoft.com/office/drawing/2010/main" val="0"/>
+              </a:ext>
+            </a:extLst>
+          </a:blip>
+          <a:srcRect/>
+          <a:stretch>
+            <a:fillRect/>
+          </a:stretch>
+        </p:blipFill>
+        <p:spPr bwMode="auto">
+          <a:xfrm>
+            <a:off x="2342488" y="4343400"/>
+            <a:ext cx="3677312" cy="2392332"/>
+          </a:xfrm>
+          <a:prstGeom prst="rect">
+            <a:avLst/>
+          </a:prstGeom>
+          <a:noFill/>
+          <a:extLst>
+            <a:ext uri="{909E8E84-426E-40DD-AFC4-6F175D3DCCD1}">
+              <a14:hiddenFill xmlns:a14="http://schemas.microsoft.com/office/drawing/2010/main">
+                <a:solidFill>
+                  <a:srgbClr val="FFFFFF"/>
+                </a:solidFill>
+              </a14:hiddenFill>
+            </a:ext>
+          </a:extLst>
+        </p:spPr>
+      </p:pic>
+      <p:pic>
+        <p:nvPicPr>
+          <p:cNvPr id="6" name="Picture 4"/>
+          <p:cNvPicPr>
+            <a:picLocks noChangeAspect="1" noChangeArrowheads="1"/>
+          </p:cNvPicPr>
+          <p:nvPr/>
+        </p:nvPicPr>
+        <p:blipFill>
+          <a:blip r:embed="rId4">
+            <a:extLst>
+              <a:ext uri="{28A0092B-C50C-407E-A947-70E740481C1C}">
+                <a14:useLocalDpi xmlns:a14="http://schemas.microsoft.com/office/drawing/2010/main" val="0"/>
+              </a:ext>
+            </a:extLst>
+          </a:blip>
+          <a:srcRect/>
+          <a:stretch>
+            <a:fillRect/>
+          </a:stretch>
+        </p:blipFill>
+        <p:spPr bwMode="auto">
+          <a:xfrm>
+            <a:off x="4278347" y="562422"/>
+            <a:ext cx="4549704" cy="2539029"/>
+          </a:xfrm>
+          <a:prstGeom prst="rect">
+            <a:avLst/>
+          </a:prstGeom>
+          <a:noFill/>
+          <a:ln>
+            <a:noFill/>
+          </a:ln>
+          <a:extLst>
+            <a:ext uri="{909E8E84-426E-40DD-AFC4-6F175D3DCCD1}">
+              <a14:hiddenFill xmlns:a14="http://schemas.microsoft.com/office/drawing/2010/main">
+                <a:solidFill>
+                  <a:srgbClr val="FFFFFF"/>
+                </a:solidFill>
+              </a14:hiddenFill>
+            </a:ext>
+            <a:ext uri="{91240B29-F687-4F45-9708-019B960494DF}">
+              <a14:hiddenLine xmlns:a14="http://schemas.microsoft.com/office/drawing/2010/main" w="12700">
+                <a:solidFill>
+                  <a:schemeClr val="tx1"/>
+                </a:solidFill>
+                <a:miter lim="800000"/>
+                <a:headEnd/>
+                <a:tailEnd/>
+              </a14:hiddenLine>
+            </a:ext>
+          </a:extLst>
+        </p:spPr>
+      </p:pic>
+    </p:spTree>
+    <p:extLst>
+      <p:ext uri="{BB962C8B-B14F-4D97-AF65-F5344CB8AC3E}">
+        <p14:creationId xmlns:p14="http://schemas.microsoft.com/office/powerpoint/2010/main" val="2475347353"/>
+      </p:ext>
+    </p:extLst>
+  </p:cSld>
+  <p:clrMapOvr>
+    <a:masterClrMapping/>
+  </p:clrMapOvr>
+  <p:timing>
+    <p:tnLst>
+      <p:par>
+        <p:cTn id="1" dur="indefinite" restart="never" nodeType="tmRoot">
+          <p:childTnLst>
+            <p:seq concurrent="1" nextAc="seek">
+              <p:cTn id="2" dur="indefinite" nodeType="mainSeq">
+                <p:childTnLst>
+                  <p:par>
+                    <p:cTn id="3" fill="hold">
+                      <p:stCondLst>
+                        <p:cond delay="indefinite"/>
+                        <p:cond evt="onBegin" delay="0">
+                          <p:tn val="2"/>
+                        </p:cond>
+                      </p:stCondLst>
+                      <p:childTnLst>
+                        <p:par>
+                          <p:cTn id="4" fill="hold">
+                            <p:stCondLst>
+                              <p:cond delay="0"/>
+                            </p:stCondLst>
+                            <p:childTnLst>
+                              <p:par>
+                                <p:cTn id="5" presetID="-1074223048" presetClass="entr" presetSubtype="0" fill="hold" nodeType="afterEffect">
+                                  <p:stCondLst>
+                                    <p:cond delay="0"/>
+                                  </p:stCondLst>
+                                  <p:childTnLst>
+                                    <p:set>
+                                      <p:cBhvr>
+                                        <p:cTn id="6" dur="1" fill="hold">
+                                          <p:stCondLst>
+                                            <p:cond delay="499"/>
+                                          </p:stCondLst>
+                                        </p:cTn>
+                                        <p:tgtEl>
+                                          <p:spTgt spid="6"/>
+                                        </p:tgtEl>
+                                        <p:attrNameLst>
+                                          <p:attrName>style.visibility</p:attrName>
+                                        </p:attrNameLst>
+                                      </p:cBhvr>
+                                      <p:to>
+                                        <p:strVal val="visible"/>
+                                      </p:to>
+                                    </p:set>
+                                  </p:childTnLst>
+                                </p:cTn>
+                              </p:par>
+                            </p:childTnLst>
+                          </p:cTn>
+                        </p:par>
+                      </p:childTnLst>
+                    </p:cTn>
+                  </p:par>
+                </p:childTnLst>
+              </p:cTn>
+              <p:prevCondLst>
+                <p:cond evt="onPrev" delay="0">
+                  <p:tgtEl>
+                    <p:sldTgt/>
+                  </p:tgtEl>
+                </p:cond>
+              </p:prevCondLst>
+              <p:nextCondLst>
+                <p:cond evt="onNext" delay="0">
+                  <p:tgtEl>
+                    <p:sldTgt/>
+                  </p:tgtEl>
+                </p:cond>
+              </p:nextCondLst>
+            </p:seq>
+          </p:childTnLst>
+        </p:cTn>
+      </p:par>
+    </p:tnLst>
+  </p:timing>
+</p:sld>
+</file>
+
+<file path=ppt/slides/slide27.xml><?xml version="1.0" encoding="utf-8"?>
+<p:sld xmlns:a="http://schemas.openxmlformats.org/drawingml/2006/main" xmlns:r="http://schemas.openxmlformats.org/officeDocument/2006/relationships" xmlns:p="http://schemas.openxmlformats.org/presentationml/2006/main">
+  <p:cSld>
+    <p:spTree>
+      <p:nvGrpSpPr>
+        <p:cNvPr id="1" name=""/>
+        <p:cNvGrpSpPr/>
+        <p:nvPr/>
+      </p:nvGrpSpPr>
+      <p:grpSpPr>
+        <a:xfrm>
+          <a:off x="0" y="0"/>
+          <a:ext cx="0" cy="0"/>
+          <a:chOff x="0" y="0"/>
+          <a:chExt cx="0" cy="0"/>
+        </a:xfrm>
+      </p:grpSpPr>
+    </p:spTree>
+    <p:extLst>
+      <p:ext uri="{BB962C8B-B14F-4D97-AF65-F5344CB8AC3E}">
+        <p14:creationId xmlns:p14="http://schemas.microsoft.com/office/powerpoint/2010/main" val="3079226325"/>
       </p:ext>
     </p:extLst>
   </p:cSld>
